--- a/开题报告/宠物生活开题报告_邓文武_v1.0.pptx
+++ b/开题报告/宠物生活开题报告_邓文武_v1.0.pptx
@@ -17,8 +17,8 @@
     <p:sldId id="260" r:id="rId5"/>
     <p:sldId id="333" r:id="rId6"/>
     <p:sldId id="338" r:id="rId7"/>
-    <p:sldId id="277" r:id="rId8"/>
-    <p:sldId id="336" r:id="rId9"/>
+    <p:sldId id="336" r:id="rId8"/>
+    <p:sldId id="277" r:id="rId9"/>
     <p:sldId id="334" r:id="rId10"/>
     <p:sldId id="339" r:id="rId11"/>
     <p:sldId id="341" r:id="rId12"/>
@@ -134,8 +134,8 @@
             <p14:sldId id="260"/>
             <p14:sldId id="333"/>
             <p14:sldId id="338"/>
+            <p14:sldId id="336"/>
             <p14:sldId id="277"/>
-            <p14:sldId id="336"/>
             <p14:sldId id="334"/>
             <p14:sldId id="339"/>
             <p14:sldId id="341"/>
@@ -1627,7 +1627,7 @@
           <a:p>
             <a:fld id="{060BA161-F2EC-4A3B-989A-A1CB67A322F9}" type="datetimeFigureOut">
               <a:rPr lang="en-US" smtClean="0"/>
-              <a:t>1/8/2020</a:t>
+              <a:t>5/21/2020</a:t>
             </a:fld>
             <a:endParaRPr lang="en-US"/>
           </a:p>
@@ -1804,7 +1804,7 @@
           <a:p>
             <a:fld id="{091C5753-DA09-4AA8-8CBE-6857F5CC9D8D}" type="datetimeFigureOut">
               <a:rPr lang="zh-CN" altLang="en-US" smtClean="0"/>
-              <a:t>2020/1/8</a:t>
+              <a:t>2020/5/21</a:t>
             </a:fld>
             <a:endParaRPr lang="zh-CN" altLang="en-US"/>
           </a:p>
@@ -2304,7 +2304,7 @@
           <a:p>
             <a:fld id="{D0E95024-908D-462B-9B1F-7005F7AB552B}" type="slidenum">
               <a:rPr lang="zh-CN" altLang="en-US" smtClean="0"/>
-              <a:t>7</a:t>
+              <a:t>6</a:t>
             </a:fld>
             <a:endParaRPr lang="zh-CN" altLang="en-US"/>
           </a:p>
@@ -9401,7 +9401,7 @@
         </p:nvSpPr>
         <p:spPr>
           <a:xfrm>
-            <a:off x="5126637" y="4194495"/>
+            <a:off x="5126640" y="4194495"/>
             <a:ext cx="2031325" cy="646331"/>
           </a:xfrm>
           <a:prstGeom prst="rect">
@@ -9427,7 +9427,7 @@
                 <a:cs typeface="+mn-ea"/>
                 <a:sym typeface="+mn-lt"/>
               </a:rPr>
-              <a:t>功能描述</a:t>
+              <a:t>操作演示</a:t>
             </a:r>
           </a:p>
         </p:txBody>
@@ -11186,7 +11186,7 @@
                 <a:cs typeface="+mn-ea"/>
                 <a:sym typeface="+mn-lt"/>
               </a:rPr>
-              <a:t>目标概述</a:t>
+              <a:t>系统实现</a:t>
             </a:r>
           </a:p>
         </p:txBody>
@@ -11230,7 +11230,7 @@
                 <a:cs typeface="+mn-ea"/>
                 <a:sym typeface="+mn-lt"/>
               </a:rPr>
-              <a:t>功能描述</a:t>
+              <a:t>操作演示</a:t>
             </a:r>
           </a:p>
         </p:txBody>
@@ -11294,7 +11294,7 @@
         <p:spPr>
           <a:xfrm>
             <a:off x="7240587" y="4010169"/>
-            <a:ext cx="1620957" cy="523220"/>
+            <a:ext cx="1632178" cy="523220"/>
           </a:xfrm>
           <a:prstGeom prst="rect">
             <a:avLst/>
@@ -11318,7 +11318,7 @@
                 <a:cs typeface="+mn-ea"/>
                 <a:sym typeface="+mn-lt"/>
               </a:rPr>
-              <a:t>实现技术</a:t>
+              <a:t>系统设计</a:t>
             </a:r>
           </a:p>
         </p:txBody>
@@ -12635,8 +12635,8 @@
         </p:nvSpPr>
         <p:spPr>
           <a:xfrm>
-            <a:off x="2513490" y="1984663"/>
-            <a:ext cx="7524127" cy="1884106"/>
+            <a:off x="2563124" y="2318052"/>
+            <a:ext cx="7524127" cy="2242409"/>
           </a:xfrm>
           <a:prstGeom prst="rect">
             <a:avLst/>
@@ -12654,7 +12654,7 @@
               </a:lnSpc>
             </a:pPr>
             <a:r>
-              <a:rPr lang="en-US" altLang="zh-CN" sz="2000" dirty="0">
+              <a:rPr lang="en-US" altLang="zh-CN" sz="2400" dirty="0">
                 <a:solidFill>
                   <a:schemeClr val="tx1">
                     <a:lumMod val="75000"/>
@@ -12666,7 +12666,7 @@
               <a:t>《2019</a:t>
             </a:r>
             <a:r>
-              <a:rPr lang="zh-CN" altLang="en-US" sz="2000" dirty="0">
+              <a:rPr lang="zh-CN" altLang="en-US" sz="2400" dirty="0">
                 <a:solidFill>
                   <a:schemeClr val="tx1">
                     <a:lumMod val="75000"/>
@@ -12678,7 +12678,7 @@
               <a:t>年中国宠物行业白皮书</a:t>
             </a:r>
             <a:r>
-              <a:rPr lang="en-US" altLang="zh-CN" sz="2000" dirty="0">
+              <a:rPr lang="en-US" altLang="zh-CN" sz="2400" dirty="0">
                 <a:solidFill>
                   <a:schemeClr val="tx1">
                     <a:lumMod val="75000"/>
@@ -12690,7 +12690,7 @@
               <a:t>》</a:t>
             </a:r>
             <a:r>
-              <a:rPr lang="zh-CN" altLang="en-US" sz="2000" dirty="0">
+              <a:rPr lang="zh-CN" altLang="en-US" sz="2400" dirty="0">
                 <a:solidFill>
                   <a:schemeClr val="tx1">
                     <a:lumMod val="75000"/>
@@ -12702,7 +12702,7 @@
               <a:t>数据显示</a:t>
             </a:r>
             <a:r>
-              <a:rPr lang="en-US" altLang="zh-CN" sz="2000" dirty="0">
+              <a:rPr lang="en-US" altLang="zh-CN" sz="2400" dirty="0">
                 <a:solidFill>
                   <a:schemeClr val="tx1">
                     <a:lumMod val="75000"/>
@@ -12714,7 +12714,7 @@
               <a:t>2019</a:t>
             </a:r>
             <a:r>
-              <a:rPr lang="zh-CN" altLang="en-US" sz="2000" dirty="0">
+              <a:rPr lang="zh-CN" altLang="en-US" sz="2400" dirty="0">
                 <a:solidFill>
                   <a:schemeClr val="tx1">
                     <a:lumMod val="75000"/>
@@ -12726,7 +12726,7 @@
               <a:t>年全国城镇宠物犬猫数量达</a:t>
             </a:r>
             <a:r>
-              <a:rPr lang="en-US" altLang="zh-CN" sz="2000" dirty="0">
+              <a:rPr lang="en-US" altLang="zh-CN" sz="2400" dirty="0">
                 <a:solidFill>
                   <a:schemeClr val="tx1">
                     <a:lumMod val="75000"/>
@@ -12738,7 +12738,7 @@
               <a:t>9915</a:t>
             </a:r>
             <a:r>
-              <a:rPr lang="zh-CN" altLang="en-US" sz="2000" dirty="0">
+              <a:rPr lang="zh-CN" altLang="en-US" sz="2400" dirty="0">
                 <a:solidFill>
                   <a:schemeClr val="tx1">
                     <a:lumMod val="75000"/>
@@ -12747,10 +12747,10 @@
                 </a:solidFill>
                 <a:latin typeface="+mn-ea"/>
               </a:rPr>
-              <a:t>只，增幅</a:t>
+              <a:t>万只，增幅</a:t>
             </a:r>
             <a:r>
-              <a:rPr lang="en-US" altLang="zh-CN" sz="2000" dirty="0">
+              <a:rPr lang="en-US" altLang="zh-CN" sz="2400" dirty="0">
                 <a:solidFill>
                   <a:schemeClr val="tx1">
                     <a:lumMod val="75000"/>
@@ -12762,7 +12762,7 @@
               <a:t>8.4%</a:t>
             </a:r>
             <a:r>
-              <a:rPr lang="zh-CN" altLang="en-US" sz="2000" dirty="0">
+              <a:rPr lang="zh-CN" altLang="en-US" sz="2400" dirty="0">
                 <a:solidFill>
                   <a:schemeClr val="tx1">
                     <a:lumMod val="75000"/>
@@ -12774,7 +12774,7 @@
               <a:t>。市场消费规模</a:t>
             </a:r>
             <a:r>
-              <a:rPr lang="en-US" altLang="zh-CN" sz="2000" dirty="0">
+              <a:rPr lang="en-US" altLang="zh-CN" sz="2400" dirty="0">
                 <a:solidFill>
                   <a:schemeClr val="tx1">
                     <a:lumMod val="75000"/>
@@ -12786,7 +12786,7 @@
               <a:t>2024</a:t>
             </a:r>
             <a:r>
-              <a:rPr lang="zh-CN" altLang="en-US" sz="2000" dirty="0">
+              <a:rPr lang="zh-CN" altLang="en-US" sz="2400" dirty="0">
                 <a:solidFill>
                   <a:schemeClr val="tx1">
                     <a:lumMod val="75000"/>
@@ -12798,7 +12798,7 @@
               <a:t>亿元，较</a:t>
             </a:r>
             <a:r>
-              <a:rPr lang="en-US" altLang="zh-CN" sz="2000" dirty="0">
+              <a:rPr lang="en-US" altLang="zh-CN" sz="2400" dirty="0">
                 <a:solidFill>
                   <a:schemeClr val="tx1">
                     <a:lumMod val="75000"/>
@@ -12810,7 +12810,7 @@
               <a:t>2018</a:t>
             </a:r>
             <a:r>
-              <a:rPr lang="zh-CN" altLang="en-US" sz="2000" dirty="0">
+              <a:rPr lang="zh-CN" altLang="en-US" sz="2400" dirty="0">
                 <a:solidFill>
                   <a:schemeClr val="tx1">
                     <a:lumMod val="75000"/>
@@ -12822,7 +12822,7 @@
               <a:t>年总体增长</a:t>
             </a:r>
             <a:r>
-              <a:rPr lang="en-US" altLang="zh-CN" sz="2000" dirty="0">
+              <a:rPr lang="en-US" altLang="zh-CN" sz="2400" dirty="0">
                 <a:solidFill>
                   <a:schemeClr val="tx1">
                     <a:lumMod val="75000"/>
@@ -12834,7 +12834,7 @@
               <a:t>18.5%</a:t>
             </a:r>
             <a:r>
-              <a:rPr lang="zh-CN" altLang="en-US" sz="2000" dirty="0">
+              <a:rPr lang="zh-CN" altLang="en-US" sz="2400" dirty="0">
                 <a:solidFill>
                   <a:schemeClr val="tx1">
                     <a:lumMod val="75000"/>
@@ -12845,7 +12845,7 @@
               </a:rPr>
               <a:t>；其中宠物食品消费是最大支出；零食、药品消费增速最快。</a:t>
             </a:r>
-            <a:endParaRPr lang="zh-CN" altLang="en-US" sz="2000" dirty="0">
+            <a:endParaRPr lang="zh-CN" altLang="en-US" sz="2400" dirty="0">
               <a:solidFill>
                 <a:schemeClr val="tx1">
                   <a:lumMod val="75000"/>
@@ -13345,111 +13345,6 @@
           <a:p>
             <a:pPr algn="ctr"/>
             <a:endParaRPr lang="zh-CN" altLang="en-US">
-              <a:cs typeface="+mn-ea"/>
-              <a:sym typeface="+mn-lt"/>
-            </a:endParaRPr>
-          </a:p>
-        </p:txBody>
-      </p:sp>
-      <p:sp>
-        <p:nvSpPr>
-          <p:cNvPr id="17" name="矩形 16">
-            <a:extLst>
-              <a:ext uri="{FF2B5EF4-FFF2-40B4-BE49-F238E27FC236}">
-                <a16:creationId xmlns:a16="http://schemas.microsoft.com/office/drawing/2014/main" id="{0BC872CA-EA90-4216-9491-18AC68453451}"/>
-              </a:ext>
-            </a:extLst>
-          </p:cNvPr>
-          <p:cNvSpPr/>
-          <p:nvPr/>
-        </p:nvSpPr>
-        <p:spPr>
-          <a:xfrm>
-            <a:off x="2513489" y="3759555"/>
-            <a:ext cx="7524127" cy="1884106"/>
-          </a:xfrm>
-          <a:prstGeom prst="rect">
-            <a:avLst/>
-          </a:prstGeom>
-        </p:spPr>
-        <p:txBody>
-          <a:bodyPr wrap="square">
-            <a:spAutoFit/>
-          </a:bodyPr>
-          <a:lstStyle/>
-          <a:p>
-            <a:pPr algn="just">
-              <a:lnSpc>
-                <a:spcPct val="150000"/>
-              </a:lnSpc>
-            </a:pPr>
-            <a:r>
-              <a:rPr lang="zh-CN" altLang="en-US" sz="2000" dirty="0">
-                <a:solidFill>
-                  <a:schemeClr val="tx1">
-                    <a:lumMod val="75000"/>
-                    <a:lumOff val="25000"/>
-                  </a:schemeClr>
-                </a:solidFill>
-                <a:latin typeface="+mn-ea"/>
-              </a:rPr>
-              <a:t>宠物在现代人的生活中扮演着伴侣、亲人的角色</a:t>
-            </a:r>
-            <a:r>
-              <a:rPr lang="en-US" altLang="zh-CN" sz="2000" dirty="0">
-                <a:solidFill>
-                  <a:schemeClr val="tx1">
-                    <a:lumMod val="75000"/>
-                    <a:lumOff val="25000"/>
-                  </a:schemeClr>
-                </a:solidFill>
-                <a:latin typeface="+mn-ea"/>
-              </a:rPr>
-              <a:t>,</a:t>
-            </a:r>
-            <a:r>
-              <a:rPr lang="zh-CN" altLang="en-US" sz="2000" dirty="0">
-                <a:solidFill>
-                  <a:schemeClr val="tx1">
-                    <a:lumMod val="75000"/>
-                    <a:lumOff val="25000"/>
-                  </a:schemeClr>
-                </a:solidFill>
-                <a:latin typeface="+mn-ea"/>
-              </a:rPr>
-              <a:t>人们越来越重视宠物的生活品质，宠物</a:t>
-            </a:r>
-            <a:r>
-              <a:rPr lang="en-US" altLang="zh-CN" sz="2000" dirty="0">
-                <a:solidFill>
-                  <a:schemeClr val="tx1">
-                    <a:lumMod val="75000"/>
-                    <a:lumOff val="25000"/>
-                  </a:schemeClr>
-                </a:solidFill>
-                <a:latin typeface="+mn-ea"/>
-              </a:rPr>
-              <a:t>app</a:t>
-            </a:r>
-            <a:r>
-              <a:rPr lang="zh-CN" altLang="en-US" sz="2000" dirty="0">
-                <a:solidFill>
-                  <a:schemeClr val="tx1">
-                    <a:lumMod val="75000"/>
-                    <a:lumOff val="25000"/>
-                  </a:schemeClr>
-                </a:solidFill>
-                <a:latin typeface="+mn-ea"/>
-              </a:rPr>
-              <a:t>开发能帮助用户更高效率以及更有针对性地解决养宠物的需求，不仅是迎合了宠物爱好者的需求，也给其他宠物饲养新手普及了不少专业的知识。</a:t>
-            </a:r>
-            <a:endParaRPr lang="zh-CN" altLang="en-US" sz="2000" dirty="0">
-              <a:solidFill>
-                <a:schemeClr val="tx1">
-                  <a:lumMod val="75000"/>
-                  <a:lumOff val="25000"/>
-                </a:schemeClr>
-              </a:solidFill>
               <a:cs typeface="+mn-ea"/>
               <a:sym typeface="+mn-lt"/>
             </a:endParaRPr>
@@ -13692,51 +13587,6 @@
                                           </p:stCondLst>
                                         </p:cTn>
                                         <p:tgtEl>
-                                          <p:spTgt spid="17"/>
-                                        </p:tgtEl>
-                                        <p:attrNameLst>
-                                          <p:attrName>style.visibility</p:attrName>
-                                        </p:attrNameLst>
-                                      </p:cBhvr>
-                                      <p:to>
-                                        <p:strVal val="visible"/>
-                                      </p:to>
-                                    </p:set>
-                                  </p:childTnLst>
-                                </p:cTn>
-                              </p:par>
-                            </p:childTnLst>
-                          </p:cTn>
-                        </p:par>
-                      </p:childTnLst>
-                    </p:cTn>
-                  </p:par>
-                  <p:par>
-                    <p:cTn id="21" fill="hold">
-                      <p:stCondLst>
-                        <p:cond delay="indefinite"/>
-                      </p:stCondLst>
-                      <p:childTnLst>
-                        <p:par>
-                          <p:cTn id="22" fill="hold">
-                            <p:stCondLst>
-                              <p:cond delay="0"/>
-                            </p:stCondLst>
-                            <p:childTnLst>
-                              <p:par>
-                                <p:cTn id="23" presetID="1" presetClass="entr" presetSubtype="0" fill="hold" grpId="0" nodeType="clickEffect">
-                                  <p:stCondLst>
-                                    <p:cond delay="0"/>
-                                  </p:stCondLst>
-                                  <p:childTnLst>
-                                    <p:set>
-                                      <p:cBhvr>
-                                        <p:cTn id="24" dur="1" fill="hold">
-                                          <p:stCondLst>
-                                            <p:cond delay="0"/>
-                                          </p:stCondLst>
-                                        </p:cTn>
-                                        <p:tgtEl>
                                           <p:spTgt spid="23"/>
                                         </p:tgtEl>
                                         <p:attrNameLst>
@@ -13751,14 +13601,14 @@
                                 </p:cTn>
                               </p:par>
                               <p:par>
-                                <p:cTn id="25" presetID="1" presetClass="entr" presetSubtype="0" fill="hold" grpId="0" nodeType="withEffect">
+                                <p:cTn id="21" presetID="1" presetClass="entr" presetSubtype="0" fill="hold" grpId="0" nodeType="withEffect">
                                   <p:stCondLst>
                                     <p:cond delay="0"/>
                                   </p:stCondLst>
                                   <p:childTnLst>
                                     <p:set>
                                       <p:cBhvr>
-                                        <p:cTn id="26" dur="1" fill="hold">
+                                        <p:cTn id="22" dur="1" fill="hold">
                                           <p:stCondLst>
                                             <p:cond delay="0"/>
                                           </p:stCondLst>
@@ -13778,14 +13628,14 @@
                                 </p:cTn>
                               </p:par>
                               <p:par>
-                                <p:cTn id="27" presetID="1" presetClass="entr" presetSubtype="0" fill="hold" grpId="0" nodeType="withEffect">
+                                <p:cTn id="23" presetID="1" presetClass="entr" presetSubtype="0" fill="hold" grpId="0" nodeType="withEffect">
                                   <p:stCondLst>
                                     <p:cond delay="0"/>
                                   </p:stCondLst>
                                   <p:childTnLst>
                                     <p:set>
                                       <p:cBhvr>
-                                        <p:cTn id="28" dur="1" fill="hold">
+                                        <p:cTn id="24" dur="1" fill="hold">
                                           <p:stCondLst>
                                             <p:cond delay="0"/>
                                           </p:stCondLst>
@@ -13841,520 +13691,12 @@
       <p:bldP spid="7" grpId="0"/>
       <p:bldP spid="9" grpId="0"/>
       <p:bldP spid="10" grpId="0"/>
-      <p:bldP spid="17" grpId="0"/>
     </p:bldLst>
   </p:timing>
 </p:sld>
 </file>
 
 <file path=ppt/slides/slide6.xml><?xml version="1.0" encoding="utf-8"?>
-<p:sld xmlns:a="http://schemas.openxmlformats.org/drawingml/2006/main" xmlns:r="http://schemas.openxmlformats.org/officeDocument/2006/relationships" xmlns:p="http://schemas.openxmlformats.org/presentationml/2006/main">
-  <p:cSld>
-    <p:spTree>
-      <p:nvGrpSpPr>
-        <p:cNvPr id="1" name=""/>
-        <p:cNvGrpSpPr/>
-        <p:nvPr/>
-      </p:nvGrpSpPr>
-      <p:grpSpPr>
-        <a:xfrm>
-          <a:off x="0" y="0"/>
-          <a:ext cx="0" cy="0"/>
-          <a:chOff x="0" y="0"/>
-          <a:chExt cx="0" cy="0"/>
-        </a:xfrm>
-      </p:grpSpPr>
-      <p:sp>
-        <p:nvSpPr>
-          <p:cNvPr id="75" name="椭圆 74">
-            <a:extLst>
-              <a:ext uri="{FF2B5EF4-FFF2-40B4-BE49-F238E27FC236}">
-                <a16:creationId xmlns:a16="http://schemas.microsoft.com/office/drawing/2014/main" id="{7F1AEBED-2490-467A-B519-3816B953134F}"/>
-              </a:ext>
-            </a:extLst>
-          </p:cNvPr>
-          <p:cNvSpPr/>
-          <p:nvPr/>
-        </p:nvSpPr>
-        <p:spPr>
-          <a:xfrm>
-            <a:off x="-1286257" y="-2667000"/>
-            <a:ext cx="14857114" cy="6732576"/>
-          </a:xfrm>
-          <a:prstGeom prst="ellipse">
-            <a:avLst/>
-          </a:prstGeom>
-          <a:solidFill>
-            <a:schemeClr val="accent1">
-              <a:lumMod val="75000"/>
-              <a:alpha val="80000"/>
-            </a:schemeClr>
-          </a:solidFill>
-          <a:ln>
-            <a:noFill/>
-          </a:ln>
-        </p:spPr>
-        <p:style>
-          <a:lnRef idx="2">
-            <a:schemeClr val="accent1">
-              <a:shade val="50000"/>
-            </a:schemeClr>
-          </a:lnRef>
-          <a:fillRef idx="1">
-            <a:schemeClr val="accent1"/>
-          </a:fillRef>
-          <a:effectRef idx="0">
-            <a:schemeClr val="accent1"/>
-          </a:effectRef>
-          <a:fontRef idx="minor">
-            <a:schemeClr val="lt1"/>
-          </a:fontRef>
-        </p:style>
-        <p:txBody>
-          <a:bodyPr rtlCol="0" anchor="ctr"/>
-          <a:lstStyle/>
-          <a:p>
-            <a:pPr algn="ctr"/>
-            <a:endParaRPr lang="zh-CN" altLang="en-US">
-              <a:cs typeface="+mn-ea"/>
-              <a:sym typeface="+mn-lt"/>
-            </a:endParaRPr>
-          </a:p>
-        </p:txBody>
-      </p:sp>
-      <p:pic>
-        <p:nvPicPr>
-          <p:cNvPr id="73" name="图片 72">
-            <a:extLst>
-              <a:ext uri="{FF2B5EF4-FFF2-40B4-BE49-F238E27FC236}">
-                <a16:creationId xmlns:a16="http://schemas.microsoft.com/office/drawing/2014/main" id="{9B400A82-6FEE-4BE9-A41F-044BA0E432B8}"/>
-              </a:ext>
-            </a:extLst>
-          </p:cNvPr>
-          <p:cNvPicPr>
-            <a:picLocks noChangeAspect="1"/>
-          </p:cNvPicPr>
-          <p:nvPr/>
-        </p:nvPicPr>
-        <p:blipFill rotWithShape="1">
-          <a:blip r:embed="rId2">
-            <a:extLst>
-              <a:ext uri="{28A0092B-C50C-407E-A947-70E740481C1C}">
-                <a14:useLocalDpi xmlns:a14="http://schemas.microsoft.com/office/drawing/2010/main" val="0"/>
-              </a:ext>
-            </a:extLst>
-          </a:blip>
-          <a:srcRect t="18169" b="33204"/>
-          <a:stretch/>
-        </p:blipFill>
-        <p:spPr>
-          <a:xfrm>
-            <a:off x="-60224" y="-93818"/>
-            <a:ext cx="12252223" cy="3971944"/>
-          </a:xfrm>
-          <a:custGeom>
-            <a:avLst/>
-            <a:gdLst>
-              <a:gd name="connsiteX0" fmla="*/ 0 w 12192000"/>
-              <a:gd name="connsiteY0" fmla="*/ 0 h 4624148"/>
-              <a:gd name="connsiteX1" fmla="*/ 12192000 w 12192000"/>
-              <a:gd name="connsiteY1" fmla="*/ 0 h 4624148"/>
-              <a:gd name="connsiteX2" fmla="*/ 12192000 w 12192000"/>
-              <a:gd name="connsiteY2" fmla="*/ 2999890 h 4624148"/>
-              <a:gd name="connsiteX3" fmla="*/ 12066075 w 12192000"/>
-              <a:gd name="connsiteY3" fmla="*/ 3082244 h 4624148"/>
-              <a:gd name="connsiteX4" fmla="*/ 6096000 w 12192000"/>
-              <a:gd name="connsiteY4" fmla="*/ 4624148 h 4624148"/>
-              <a:gd name="connsiteX5" fmla="*/ 125925 w 12192000"/>
-              <a:gd name="connsiteY5" fmla="*/ 3082244 h 4624148"/>
-              <a:gd name="connsiteX6" fmla="*/ 0 w 12192000"/>
-              <a:gd name="connsiteY6" fmla="*/ 2999890 h 4624148"/>
-            </a:gdLst>
-            <a:ahLst/>
-            <a:cxnLst>
-              <a:cxn ang="0">
-                <a:pos x="connsiteX0" y="connsiteY0"/>
-              </a:cxn>
-              <a:cxn ang="0">
-                <a:pos x="connsiteX1" y="connsiteY1"/>
-              </a:cxn>
-              <a:cxn ang="0">
-                <a:pos x="connsiteX2" y="connsiteY2"/>
-              </a:cxn>
-              <a:cxn ang="0">
-                <a:pos x="connsiteX3" y="connsiteY3"/>
-              </a:cxn>
-              <a:cxn ang="0">
-                <a:pos x="connsiteX4" y="connsiteY4"/>
-              </a:cxn>
-              <a:cxn ang="0">
-                <a:pos x="connsiteX5" y="connsiteY5"/>
-              </a:cxn>
-              <a:cxn ang="0">
-                <a:pos x="connsiteX6" y="connsiteY6"/>
-              </a:cxn>
-            </a:cxnLst>
-            <a:rect l="l" t="t" r="r" b="b"/>
-            <a:pathLst>
-              <a:path w="12192000" h="4624148">
-                <a:moveTo>
-                  <a:pt x="0" y="0"/>
-                </a:moveTo>
-                <a:lnTo>
-                  <a:pt x="12192000" y="0"/>
-                </a:lnTo>
-                <a:lnTo>
-                  <a:pt x="12192000" y="2999890"/>
-                </a:lnTo>
-                <a:lnTo>
-                  <a:pt x="12066075" y="3082244"/>
-                </a:lnTo>
-                <a:cubicBezTo>
-                  <a:pt x="10538200" y="4034911"/>
-                  <a:pt x="8427460" y="4624148"/>
-                  <a:pt x="6096000" y="4624148"/>
-                </a:cubicBezTo>
-                <a:cubicBezTo>
-                  <a:pt x="3764541" y="4624148"/>
-                  <a:pt x="1653800" y="4034911"/>
-                  <a:pt x="125925" y="3082244"/>
-                </a:cubicBezTo>
-                <a:lnTo>
-                  <a:pt x="0" y="2999890"/>
-                </a:lnTo>
-                <a:close/>
-              </a:path>
-            </a:pathLst>
-          </a:custGeom>
-        </p:spPr>
-      </p:pic>
-      <p:sp>
-        <p:nvSpPr>
-          <p:cNvPr id="10" name="矩形 9">
-            <a:extLst>
-              <a:ext uri="{FF2B5EF4-FFF2-40B4-BE49-F238E27FC236}">
-                <a16:creationId xmlns:a16="http://schemas.microsoft.com/office/drawing/2014/main" id="{41D369BA-B7AC-4C20-9841-92360920D00E}"/>
-              </a:ext>
-            </a:extLst>
-          </p:cNvPr>
-          <p:cNvSpPr/>
-          <p:nvPr/>
-        </p:nvSpPr>
-        <p:spPr>
-          <a:xfrm flipH="1" flipV="1">
-            <a:off x="5712105" y="6308725"/>
-            <a:ext cx="767787" cy="45719"/>
-          </a:xfrm>
-          <a:prstGeom prst="rect">
-            <a:avLst/>
-          </a:prstGeom>
-          <a:solidFill>
-            <a:schemeClr val="accent1"/>
-          </a:solidFill>
-          <a:ln>
-            <a:noFill/>
-          </a:ln>
-          <a:effectLst/>
-        </p:spPr>
-        <p:style>
-          <a:lnRef idx="2">
-            <a:schemeClr val="accent1">
-              <a:shade val="50000"/>
-            </a:schemeClr>
-          </a:lnRef>
-          <a:fillRef idx="1">
-            <a:schemeClr val="accent1"/>
-          </a:fillRef>
-          <a:effectRef idx="0">
-            <a:schemeClr val="accent1"/>
-          </a:effectRef>
-          <a:fontRef idx="minor">
-            <a:schemeClr val="lt1"/>
-          </a:fontRef>
-        </p:style>
-        <p:txBody>
-          <a:bodyPr rot="0" spcFirstLastPara="0" vertOverflow="overflow" horzOverflow="overflow" vert="horz" wrap="square" lIns="91440" tIns="45720" rIns="91440" bIns="45720" numCol="1" spcCol="0" rtlCol="0" fromWordArt="0" anchor="ctr" anchorCtr="0" forceAA="0" compatLnSpc="1">
-            <a:prstTxWarp prst="textNoShape">
-              <a:avLst/>
-            </a:prstTxWarp>
-            <a:noAutofit/>
-          </a:bodyPr>
-          <a:lstStyle/>
-          <a:p>
-            <a:pPr algn="ctr"/>
-            <a:endParaRPr lang="zh-CN" altLang="en-US">
-              <a:cs typeface="+mn-ea"/>
-              <a:sym typeface="+mn-lt"/>
-            </a:endParaRPr>
-          </a:p>
-        </p:txBody>
-      </p:sp>
-      <p:sp>
-        <p:nvSpPr>
-          <p:cNvPr id="11" name="矩形: 圆角 10">
-            <a:extLst>
-              <a:ext uri="{FF2B5EF4-FFF2-40B4-BE49-F238E27FC236}">
-                <a16:creationId xmlns:a16="http://schemas.microsoft.com/office/drawing/2014/main" id="{B2D700BE-9DEF-4ED7-8D55-0AD4E1C064C0}"/>
-              </a:ext>
-            </a:extLst>
-          </p:cNvPr>
-          <p:cNvSpPr/>
-          <p:nvPr/>
-        </p:nvSpPr>
-        <p:spPr>
-          <a:xfrm>
-            <a:off x="3440482" y="1763235"/>
-            <a:ext cx="5311035" cy="4088290"/>
-          </a:xfrm>
-          <a:prstGeom prst="roundRect">
-            <a:avLst>
-              <a:gd name="adj" fmla="val 7573"/>
-            </a:avLst>
-          </a:prstGeom>
-          <a:solidFill>
-            <a:schemeClr val="bg1"/>
-          </a:solidFill>
-          <a:ln>
-            <a:noFill/>
-          </a:ln>
-          <a:effectLst>
-            <a:outerShdw blurRad="127000" algn="ctr" rotWithShape="0">
-              <a:prstClr val="black">
-                <a:alpha val="40000"/>
-              </a:prstClr>
-            </a:outerShdw>
-          </a:effectLst>
-        </p:spPr>
-        <p:style>
-          <a:lnRef idx="2">
-            <a:schemeClr val="accent1">
-              <a:shade val="50000"/>
-            </a:schemeClr>
-          </a:lnRef>
-          <a:fillRef idx="1">
-            <a:schemeClr val="accent1"/>
-          </a:fillRef>
-          <a:effectRef idx="0">
-            <a:schemeClr val="accent1"/>
-          </a:effectRef>
-          <a:fontRef idx="minor">
-            <a:schemeClr val="lt1"/>
-          </a:fontRef>
-        </p:style>
-        <p:txBody>
-          <a:bodyPr rot="0" spcFirstLastPara="0" vertOverflow="overflow" horzOverflow="overflow" vert="horz" wrap="square" lIns="91440" tIns="45720" rIns="91440" bIns="45720" numCol="1" spcCol="0" rtlCol="0" fromWordArt="0" anchor="ctr" anchorCtr="0" forceAA="0" compatLnSpc="1">
-            <a:prstTxWarp prst="textNoShape">
-              <a:avLst/>
-            </a:prstTxWarp>
-            <a:noAutofit/>
-          </a:bodyPr>
-          <a:lstStyle/>
-          <a:p>
-            <a:pPr algn="ctr"/>
-            <a:endParaRPr lang="zh-CN" altLang="en-US">
-              <a:cs typeface="+mn-ea"/>
-              <a:sym typeface="+mn-lt"/>
-            </a:endParaRPr>
-          </a:p>
-        </p:txBody>
-      </p:sp>
-      <p:sp>
-        <p:nvSpPr>
-          <p:cNvPr id="12" name="文本框 11">
-            <a:extLst>
-              <a:ext uri="{FF2B5EF4-FFF2-40B4-BE49-F238E27FC236}">
-                <a16:creationId xmlns:a16="http://schemas.microsoft.com/office/drawing/2014/main" id="{5A503645-2D8E-4DB7-8A28-F05EC956BBB9}"/>
-              </a:ext>
-            </a:extLst>
-          </p:cNvPr>
-          <p:cNvSpPr txBox="1"/>
-          <p:nvPr/>
-        </p:nvSpPr>
-        <p:spPr>
-          <a:xfrm>
-            <a:off x="5080337" y="3941521"/>
-            <a:ext cx="2031325" cy="646331"/>
-          </a:xfrm>
-          <a:prstGeom prst="rect">
-            <a:avLst/>
-          </a:prstGeom>
-          <a:noFill/>
-        </p:spPr>
-        <p:txBody>
-          <a:bodyPr wrap="none" rtlCol="0">
-            <a:spAutoFit/>
-          </a:bodyPr>
-          <a:lstStyle/>
-          <a:p>
-            <a:pPr algn="ctr"/>
-            <a:r>
-              <a:rPr lang="zh-CN" altLang="en-US" sz="3600" dirty="0">
-                <a:solidFill>
-                  <a:schemeClr val="tx1">
-                    <a:lumMod val="75000"/>
-                    <a:lumOff val="25000"/>
-                  </a:schemeClr>
-                </a:solidFill>
-                <a:cs typeface="+mn-ea"/>
-                <a:sym typeface="+mn-lt"/>
-              </a:rPr>
-              <a:t>目标概述</a:t>
-            </a:r>
-          </a:p>
-        </p:txBody>
-      </p:sp>
-      <p:sp>
-        <p:nvSpPr>
-          <p:cNvPr id="16" name="矩形 15">
-            <a:extLst>
-              <a:ext uri="{FF2B5EF4-FFF2-40B4-BE49-F238E27FC236}">
-                <a16:creationId xmlns:a16="http://schemas.microsoft.com/office/drawing/2014/main" id="{B7C4CFC3-1D84-4615-B6FE-A84264FC7163}"/>
-              </a:ext>
-            </a:extLst>
-          </p:cNvPr>
-          <p:cNvSpPr/>
-          <p:nvPr/>
-        </p:nvSpPr>
-        <p:spPr>
-          <a:xfrm flipH="1">
-            <a:off x="5288280" y="1759136"/>
-            <a:ext cx="1615440" cy="1644782"/>
-          </a:xfrm>
-          <a:prstGeom prst="rect">
-            <a:avLst/>
-          </a:prstGeom>
-          <a:solidFill>
-            <a:schemeClr val="accent1"/>
-          </a:solidFill>
-          <a:ln>
-            <a:noFill/>
-          </a:ln>
-          <a:effectLst/>
-        </p:spPr>
-        <p:style>
-          <a:lnRef idx="2">
-            <a:schemeClr val="accent1">
-              <a:shade val="50000"/>
-            </a:schemeClr>
-          </a:lnRef>
-          <a:fillRef idx="1">
-            <a:schemeClr val="accent1"/>
-          </a:fillRef>
-          <a:effectRef idx="0">
-            <a:schemeClr val="accent1"/>
-          </a:effectRef>
-          <a:fontRef idx="minor">
-            <a:schemeClr val="lt1"/>
-          </a:fontRef>
-        </p:style>
-        <p:txBody>
-          <a:bodyPr rot="0" spcFirstLastPara="0" vertOverflow="overflow" horzOverflow="overflow" vert="horz" wrap="square" lIns="91440" tIns="45720" rIns="91440" bIns="45720" numCol="1" spcCol="0" rtlCol="0" fromWordArt="0" anchor="ctr" anchorCtr="0" forceAA="0" compatLnSpc="1">
-            <a:prstTxWarp prst="textNoShape">
-              <a:avLst/>
-            </a:prstTxWarp>
-            <a:noAutofit/>
-          </a:bodyPr>
-          <a:lstStyle/>
-          <a:p>
-            <a:pPr algn="ctr"/>
-            <a:endParaRPr lang="zh-CN" altLang="en-US">
-              <a:cs typeface="+mn-ea"/>
-              <a:sym typeface="+mn-lt"/>
-            </a:endParaRPr>
-          </a:p>
-        </p:txBody>
-      </p:sp>
-      <p:sp>
-        <p:nvSpPr>
-          <p:cNvPr id="18" name="Rectangle 2">
-            <a:extLst>
-              <a:ext uri="{FF2B5EF4-FFF2-40B4-BE49-F238E27FC236}">
-                <a16:creationId xmlns:a16="http://schemas.microsoft.com/office/drawing/2014/main" id="{563ADD1F-AC40-4904-8B79-8FBF1F0FFB60}"/>
-              </a:ext>
-            </a:extLst>
-          </p:cNvPr>
-          <p:cNvSpPr txBox="1">
-            <a:spLocks noChangeArrowheads="1"/>
-          </p:cNvSpPr>
-          <p:nvPr/>
-        </p:nvSpPr>
-        <p:spPr>
-          <a:xfrm>
-            <a:off x="5666849" y="1892154"/>
-            <a:ext cx="813043" cy="1446550"/>
-          </a:xfrm>
-          <a:prstGeom prst="rect">
-            <a:avLst/>
-          </a:prstGeom>
-          <a:noFill/>
-        </p:spPr>
-        <p:txBody>
-          <a:bodyPr wrap="none" rtlCol="0">
-            <a:spAutoFit/>
-          </a:bodyPr>
-          <a:lstStyle>
-            <a:defPPr>
-              <a:defRPr lang="zh-CN"/>
-            </a:defPPr>
-            <a:lvl1pPr>
-              <a:defRPr sz="5400">
-                <a:gradFill>
-                  <a:gsLst>
-                    <a:gs pos="100000">
-                      <a:schemeClr val="bg1">
-                        <a:alpha val="0"/>
-                      </a:schemeClr>
-                    </a:gs>
-                    <a:gs pos="63000">
-                      <a:schemeClr val="bg1"/>
-                    </a:gs>
-                  </a:gsLst>
-                  <a:lin ang="5400000" scaled="1"/>
-                </a:gradFill>
-              </a:defRPr>
-            </a:lvl1pPr>
-          </a:lstStyle>
-          <a:p>
-            <a:r>
-              <a:rPr lang="en-US" altLang="zh-CN" sz="8800" dirty="0">
-                <a:cs typeface="+mn-ea"/>
-                <a:sym typeface="+mn-lt"/>
-              </a:rPr>
-              <a:t>2</a:t>
-            </a:r>
-            <a:endParaRPr lang="zh-CN" altLang="en-US" sz="8800" dirty="0">
-              <a:cs typeface="+mn-ea"/>
-              <a:sym typeface="+mn-lt"/>
-            </a:endParaRPr>
-          </a:p>
-        </p:txBody>
-      </p:sp>
-    </p:spTree>
-    <p:extLst>
-      <p:ext uri="{BB962C8B-B14F-4D97-AF65-F5344CB8AC3E}">
-        <p14:creationId xmlns:p14="http://schemas.microsoft.com/office/powerpoint/2010/main" val="673516865"/>
-      </p:ext>
-    </p:extLst>
-  </p:cSld>
-  <p:clrMapOvr>
-    <a:masterClrMapping/>
-  </p:clrMapOvr>
-  <mc:AlternateContent xmlns:mc="http://schemas.openxmlformats.org/markup-compatibility/2006" xmlns:p14="http://schemas.microsoft.com/office/powerpoint/2010/main">
-    <mc:Choice Requires="p14">
-      <p:transition spd="med" p14:dur="700">
-        <p:fade/>
-      </p:transition>
-    </mc:Choice>
-    <mc:Fallback xmlns="">
-      <p:transition spd="med">
-        <p:fade/>
-      </p:transition>
-    </mc:Fallback>
-  </mc:AlternateContent>
-</p:sld>
-</file>
-
-<file path=ppt/slides/slide7.xml><?xml version="1.0" encoding="utf-8"?>
 <p:sld xmlns:a="http://schemas.openxmlformats.org/drawingml/2006/main" xmlns:r="http://schemas.openxmlformats.org/officeDocument/2006/relationships" xmlns:p="http://schemas.openxmlformats.org/presentationml/2006/main">
   <p:cSld>
     <p:spTree>
@@ -15256,6 +14598,513 @@
     <p:extLst>
       <p:ext uri="{BB962C8B-B14F-4D97-AF65-F5344CB8AC3E}">
         <p14:creationId xmlns:p14="http://schemas.microsoft.com/office/powerpoint/2010/main" val="2480041937"/>
+      </p:ext>
+    </p:extLst>
+  </p:cSld>
+  <p:clrMapOvr>
+    <a:masterClrMapping/>
+  </p:clrMapOvr>
+  <mc:AlternateContent xmlns:mc="http://schemas.openxmlformats.org/markup-compatibility/2006" xmlns:p14="http://schemas.microsoft.com/office/powerpoint/2010/main">
+    <mc:Choice Requires="p14">
+      <p:transition spd="med" p14:dur="700">
+        <p:fade/>
+      </p:transition>
+    </mc:Choice>
+    <mc:Fallback xmlns="">
+      <p:transition spd="med">
+        <p:fade/>
+      </p:transition>
+    </mc:Fallback>
+  </mc:AlternateContent>
+</p:sld>
+</file>
+
+<file path=ppt/slides/slide7.xml><?xml version="1.0" encoding="utf-8"?>
+<p:sld xmlns:a="http://schemas.openxmlformats.org/drawingml/2006/main" xmlns:r="http://schemas.openxmlformats.org/officeDocument/2006/relationships" xmlns:p="http://schemas.openxmlformats.org/presentationml/2006/main">
+  <p:cSld>
+    <p:spTree>
+      <p:nvGrpSpPr>
+        <p:cNvPr id="1" name=""/>
+        <p:cNvGrpSpPr/>
+        <p:nvPr/>
+      </p:nvGrpSpPr>
+      <p:grpSpPr>
+        <a:xfrm>
+          <a:off x="0" y="0"/>
+          <a:ext cx="0" cy="0"/>
+          <a:chOff x="0" y="0"/>
+          <a:chExt cx="0" cy="0"/>
+        </a:xfrm>
+      </p:grpSpPr>
+      <p:sp>
+        <p:nvSpPr>
+          <p:cNvPr id="75" name="椭圆 74">
+            <a:extLst>
+              <a:ext uri="{FF2B5EF4-FFF2-40B4-BE49-F238E27FC236}">
+                <a16:creationId xmlns:a16="http://schemas.microsoft.com/office/drawing/2014/main" id="{7F1AEBED-2490-467A-B519-3816B953134F}"/>
+              </a:ext>
+            </a:extLst>
+          </p:cNvPr>
+          <p:cNvSpPr/>
+          <p:nvPr/>
+        </p:nvSpPr>
+        <p:spPr>
+          <a:xfrm>
+            <a:off x="-1286257" y="-2667000"/>
+            <a:ext cx="14857114" cy="6732576"/>
+          </a:xfrm>
+          <a:prstGeom prst="ellipse">
+            <a:avLst/>
+          </a:prstGeom>
+          <a:solidFill>
+            <a:schemeClr val="accent1">
+              <a:lumMod val="75000"/>
+              <a:alpha val="80000"/>
+            </a:schemeClr>
+          </a:solidFill>
+          <a:ln>
+            <a:noFill/>
+          </a:ln>
+        </p:spPr>
+        <p:style>
+          <a:lnRef idx="2">
+            <a:schemeClr val="accent1">
+              <a:shade val="50000"/>
+            </a:schemeClr>
+          </a:lnRef>
+          <a:fillRef idx="1">
+            <a:schemeClr val="accent1"/>
+          </a:fillRef>
+          <a:effectRef idx="0">
+            <a:schemeClr val="accent1"/>
+          </a:effectRef>
+          <a:fontRef idx="minor">
+            <a:schemeClr val="lt1"/>
+          </a:fontRef>
+        </p:style>
+        <p:txBody>
+          <a:bodyPr rtlCol="0" anchor="ctr"/>
+          <a:lstStyle/>
+          <a:p>
+            <a:pPr algn="ctr"/>
+            <a:endParaRPr lang="zh-CN" altLang="en-US">
+              <a:cs typeface="+mn-ea"/>
+              <a:sym typeface="+mn-lt"/>
+            </a:endParaRPr>
+          </a:p>
+        </p:txBody>
+      </p:sp>
+      <p:pic>
+        <p:nvPicPr>
+          <p:cNvPr id="73" name="图片 72">
+            <a:extLst>
+              <a:ext uri="{FF2B5EF4-FFF2-40B4-BE49-F238E27FC236}">
+                <a16:creationId xmlns:a16="http://schemas.microsoft.com/office/drawing/2014/main" id="{9B400A82-6FEE-4BE9-A41F-044BA0E432B8}"/>
+              </a:ext>
+            </a:extLst>
+          </p:cNvPr>
+          <p:cNvPicPr>
+            <a:picLocks noChangeAspect="1"/>
+          </p:cNvPicPr>
+          <p:nvPr/>
+        </p:nvPicPr>
+        <p:blipFill rotWithShape="1">
+          <a:blip r:embed="rId2">
+            <a:extLst>
+              <a:ext uri="{28A0092B-C50C-407E-A947-70E740481C1C}">
+                <a14:useLocalDpi xmlns:a14="http://schemas.microsoft.com/office/drawing/2010/main" val="0"/>
+              </a:ext>
+            </a:extLst>
+          </a:blip>
+          <a:srcRect t="18169" b="33204"/>
+          <a:stretch/>
+        </p:blipFill>
+        <p:spPr>
+          <a:xfrm>
+            <a:off x="-60224" y="-93818"/>
+            <a:ext cx="12252223" cy="3971944"/>
+          </a:xfrm>
+          <a:custGeom>
+            <a:avLst/>
+            <a:gdLst>
+              <a:gd name="connsiteX0" fmla="*/ 0 w 12192000"/>
+              <a:gd name="connsiteY0" fmla="*/ 0 h 4624148"/>
+              <a:gd name="connsiteX1" fmla="*/ 12192000 w 12192000"/>
+              <a:gd name="connsiteY1" fmla="*/ 0 h 4624148"/>
+              <a:gd name="connsiteX2" fmla="*/ 12192000 w 12192000"/>
+              <a:gd name="connsiteY2" fmla="*/ 2999890 h 4624148"/>
+              <a:gd name="connsiteX3" fmla="*/ 12066075 w 12192000"/>
+              <a:gd name="connsiteY3" fmla="*/ 3082244 h 4624148"/>
+              <a:gd name="connsiteX4" fmla="*/ 6096000 w 12192000"/>
+              <a:gd name="connsiteY4" fmla="*/ 4624148 h 4624148"/>
+              <a:gd name="connsiteX5" fmla="*/ 125925 w 12192000"/>
+              <a:gd name="connsiteY5" fmla="*/ 3082244 h 4624148"/>
+              <a:gd name="connsiteX6" fmla="*/ 0 w 12192000"/>
+              <a:gd name="connsiteY6" fmla="*/ 2999890 h 4624148"/>
+            </a:gdLst>
+            <a:ahLst/>
+            <a:cxnLst>
+              <a:cxn ang="0">
+                <a:pos x="connsiteX0" y="connsiteY0"/>
+              </a:cxn>
+              <a:cxn ang="0">
+                <a:pos x="connsiteX1" y="connsiteY1"/>
+              </a:cxn>
+              <a:cxn ang="0">
+                <a:pos x="connsiteX2" y="connsiteY2"/>
+              </a:cxn>
+              <a:cxn ang="0">
+                <a:pos x="connsiteX3" y="connsiteY3"/>
+              </a:cxn>
+              <a:cxn ang="0">
+                <a:pos x="connsiteX4" y="connsiteY4"/>
+              </a:cxn>
+              <a:cxn ang="0">
+                <a:pos x="connsiteX5" y="connsiteY5"/>
+              </a:cxn>
+              <a:cxn ang="0">
+                <a:pos x="connsiteX6" y="connsiteY6"/>
+              </a:cxn>
+            </a:cxnLst>
+            <a:rect l="l" t="t" r="r" b="b"/>
+            <a:pathLst>
+              <a:path w="12192000" h="4624148">
+                <a:moveTo>
+                  <a:pt x="0" y="0"/>
+                </a:moveTo>
+                <a:lnTo>
+                  <a:pt x="12192000" y="0"/>
+                </a:lnTo>
+                <a:lnTo>
+                  <a:pt x="12192000" y="2999890"/>
+                </a:lnTo>
+                <a:lnTo>
+                  <a:pt x="12066075" y="3082244"/>
+                </a:lnTo>
+                <a:cubicBezTo>
+                  <a:pt x="10538200" y="4034911"/>
+                  <a:pt x="8427460" y="4624148"/>
+                  <a:pt x="6096000" y="4624148"/>
+                </a:cubicBezTo>
+                <a:cubicBezTo>
+                  <a:pt x="3764541" y="4624148"/>
+                  <a:pt x="1653800" y="4034911"/>
+                  <a:pt x="125925" y="3082244"/>
+                </a:cubicBezTo>
+                <a:lnTo>
+                  <a:pt x="0" y="2999890"/>
+                </a:lnTo>
+                <a:close/>
+              </a:path>
+            </a:pathLst>
+          </a:custGeom>
+        </p:spPr>
+      </p:pic>
+      <p:sp>
+        <p:nvSpPr>
+          <p:cNvPr id="10" name="矩形 9">
+            <a:extLst>
+              <a:ext uri="{FF2B5EF4-FFF2-40B4-BE49-F238E27FC236}">
+                <a16:creationId xmlns:a16="http://schemas.microsoft.com/office/drawing/2014/main" id="{41D369BA-B7AC-4C20-9841-92360920D00E}"/>
+              </a:ext>
+            </a:extLst>
+          </p:cNvPr>
+          <p:cNvSpPr/>
+          <p:nvPr/>
+        </p:nvSpPr>
+        <p:spPr>
+          <a:xfrm flipH="1" flipV="1">
+            <a:off x="5712105" y="6308725"/>
+            <a:ext cx="767787" cy="45719"/>
+          </a:xfrm>
+          <a:prstGeom prst="rect">
+            <a:avLst/>
+          </a:prstGeom>
+          <a:solidFill>
+            <a:schemeClr val="accent1"/>
+          </a:solidFill>
+          <a:ln>
+            <a:noFill/>
+          </a:ln>
+          <a:effectLst/>
+        </p:spPr>
+        <p:style>
+          <a:lnRef idx="2">
+            <a:schemeClr val="accent1">
+              <a:shade val="50000"/>
+            </a:schemeClr>
+          </a:lnRef>
+          <a:fillRef idx="1">
+            <a:schemeClr val="accent1"/>
+          </a:fillRef>
+          <a:effectRef idx="0">
+            <a:schemeClr val="accent1"/>
+          </a:effectRef>
+          <a:fontRef idx="minor">
+            <a:schemeClr val="lt1"/>
+          </a:fontRef>
+        </p:style>
+        <p:txBody>
+          <a:bodyPr rot="0" spcFirstLastPara="0" vertOverflow="overflow" horzOverflow="overflow" vert="horz" wrap="square" lIns="91440" tIns="45720" rIns="91440" bIns="45720" numCol="1" spcCol="0" rtlCol="0" fromWordArt="0" anchor="ctr" anchorCtr="0" forceAA="0" compatLnSpc="1">
+            <a:prstTxWarp prst="textNoShape">
+              <a:avLst/>
+            </a:prstTxWarp>
+            <a:noAutofit/>
+          </a:bodyPr>
+          <a:lstStyle/>
+          <a:p>
+            <a:pPr algn="ctr"/>
+            <a:endParaRPr lang="zh-CN" altLang="en-US">
+              <a:cs typeface="+mn-ea"/>
+              <a:sym typeface="+mn-lt"/>
+            </a:endParaRPr>
+          </a:p>
+        </p:txBody>
+      </p:sp>
+      <p:sp>
+        <p:nvSpPr>
+          <p:cNvPr id="11" name="矩形: 圆角 10">
+            <a:extLst>
+              <a:ext uri="{FF2B5EF4-FFF2-40B4-BE49-F238E27FC236}">
+                <a16:creationId xmlns:a16="http://schemas.microsoft.com/office/drawing/2014/main" id="{B2D700BE-9DEF-4ED7-8D55-0AD4E1C064C0}"/>
+              </a:ext>
+            </a:extLst>
+          </p:cNvPr>
+          <p:cNvSpPr/>
+          <p:nvPr/>
+        </p:nvSpPr>
+        <p:spPr>
+          <a:xfrm>
+            <a:off x="3440482" y="1763235"/>
+            <a:ext cx="5311035" cy="4088290"/>
+          </a:xfrm>
+          <a:prstGeom prst="roundRect">
+            <a:avLst>
+              <a:gd name="adj" fmla="val 7573"/>
+            </a:avLst>
+          </a:prstGeom>
+          <a:solidFill>
+            <a:schemeClr val="bg1"/>
+          </a:solidFill>
+          <a:ln>
+            <a:noFill/>
+          </a:ln>
+          <a:effectLst>
+            <a:outerShdw blurRad="127000" algn="ctr" rotWithShape="0">
+              <a:prstClr val="black">
+                <a:alpha val="40000"/>
+              </a:prstClr>
+            </a:outerShdw>
+          </a:effectLst>
+        </p:spPr>
+        <p:style>
+          <a:lnRef idx="2">
+            <a:schemeClr val="accent1">
+              <a:shade val="50000"/>
+            </a:schemeClr>
+          </a:lnRef>
+          <a:fillRef idx="1">
+            <a:schemeClr val="accent1"/>
+          </a:fillRef>
+          <a:effectRef idx="0">
+            <a:schemeClr val="accent1"/>
+          </a:effectRef>
+          <a:fontRef idx="minor">
+            <a:schemeClr val="lt1"/>
+          </a:fontRef>
+        </p:style>
+        <p:txBody>
+          <a:bodyPr rot="0" spcFirstLastPara="0" vertOverflow="overflow" horzOverflow="overflow" vert="horz" wrap="square" lIns="91440" tIns="45720" rIns="91440" bIns="45720" numCol="1" spcCol="0" rtlCol="0" fromWordArt="0" anchor="ctr" anchorCtr="0" forceAA="0" compatLnSpc="1">
+            <a:prstTxWarp prst="textNoShape">
+              <a:avLst/>
+            </a:prstTxWarp>
+            <a:noAutofit/>
+          </a:bodyPr>
+          <a:lstStyle/>
+          <a:p>
+            <a:pPr algn="ctr"/>
+            <a:endParaRPr lang="zh-CN" altLang="en-US">
+              <a:cs typeface="+mn-ea"/>
+              <a:sym typeface="+mn-lt"/>
+            </a:endParaRPr>
+          </a:p>
+        </p:txBody>
+      </p:sp>
+      <p:sp>
+        <p:nvSpPr>
+          <p:cNvPr id="12" name="文本框 11">
+            <a:extLst>
+              <a:ext uri="{FF2B5EF4-FFF2-40B4-BE49-F238E27FC236}">
+                <a16:creationId xmlns:a16="http://schemas.microsoft.com/office/drawing/2014/main" id="{5A503645-2D8E-4DB7-8A28-F05EC956BBB9}"/>
+              </a:ext>
+            </a:extLst>
+          </p:cNvPr>
+          <p:cNvSpPr txBox="1"/>
+          <p:nvPr/>
+        </p:nvSpPr>
+        <p:spPr>
+          <a:xfrm>
+            <a:off x="5074727" y="3941521"/>
+            <a:ext cx="2042547" cy="646331"/>
+          </a:xfrm>
+          <a:prstGeom prst="rect">
+            <a:avLst/>
+          </a:prstGeom>
+          <a:noFill/>
+        </p:spPr>
+        <p:txBody>
+          <a:bodyPr wrap="none" rtlCol="0">
+            <a:spAutoFit/>
+          </a:bodyPr>
+          <a:lstStyle/>
+          <a:p>
+            <a:pPr algn="ctr"/>
+            <a:r>
+              <a:rPr lang="zh-CN" altLang="en-US" sz="3600" dirty="0">
+                <a:solidFill>
+                  <a:schemeClr val="tx1">
+                    <a:lumMod val="75000"/>
+                    <a:lumOff val="25000"/>
+                  </a:schemeClr>
+                </a:solidFill>
+                <a:cs typeface="+mn-ea"/>
+                <a:sym typeface="+mn-lt"/>
+              </a:rPr>
+              <a:t>系统设计</a:t>
+            </a:r>
+          </a:p>
+        </p:txBody>
+      </p:sp>
+      <p:sp>
+        <p:nvSpPr>
+          <p:cNvPr id="16" name="矩形 15">
+            <a:extLst>
+              <a:ext uri="{FF2B5EF4-FFF2-40B4-BE49-F238E27FC236}">
+                <a16:creationId xmlns:a16="http://schemas.microsoft.com/office/drawing/2014/main" id="{B7C4CFC3-1D84-4615-B6FE-A84264FC7163}"/>
+              </a:ext>
+            </a:extLst>
+          </p:cNvPr>
+          <p:cNvSpPr/>
+          <p:nvPr/>
+        </p:nvSpPr>
+        <p:spPr>
+          <a:xfrm flipH="1">
+            <a:off x="5288280" y="1759136"/>
+            <a:ext cx="1615440" cy="1644782"/>
+          </a:xfrm>
+          <a:prstGeom prst="rect">
+            <a:avLst/>
+          </a:prstGeom>
+          <a:solidFill>
+            <a:schemeClr val="accent1"/>
+          </a:solidFill>
+          <a:ln>
+            <a:noFill/>
+          </a:ln>
+          <a:effectLst/>
+        </p:spPr>
+        <p:style>
+          <a:lnRef idx="2">
+            <a:schemeClr val="accent1">
+              <a:shade val="50000"/>
+            </a:schemeClr>
+          </a:lnRef>
+          <a:fillRef idx="1">
+            <a:schemeClr val="accent1"/>
+          </a:fillRef>
+          <a:effectRef idx="0">
+            <a:schemeClr val="accent1"/>
+          </a:effectRef>
+          <a:fontRef idx="minor">
+            <a:schemeClr val="lt1"/>
+          </a:fontRef>
+        </p:style>
+        <p:txBody>
+          <a:bodyPr rot="0" spcFirstLastPara="0" vertOverflow="overflow" horzOverflow="overflow" vert="horz" wrap="square" lIns="91440" tIns="45720" rIns="91440" bIns="45720" numCol="1" spcCol="0" rtlCol="0" fromWordArt="0" anchor="ctr" anchorCtr="0" forceAA="0" compatLnSpc="1">
+            <a:prstTxWarp prst="textNoShape">
+              <a:avLst/>
+            </a:prstTxWarp>
+            <a:noAutofit/>
+          </a:bodyPr>
+          <a:lstStyle/>
+          <a:p>
+            <a:pPr algn="ctr"/>
+            <a:endParaRPr lang="zh-CN" altLang="en-US">
+              <a:cs typeface="+mn-ea"/>
+              <a:sym typeface="+mn-lt"/>
+            </a:endParaRPr>
+          </a:p>
+        </p:txBody>
+      </p:sp>
+      <p:sp>
+        <p:nvSpPr>
+          <p:cNvPr id="18" name="Rectangle 2">
+            <a:extLst>
+              <a:ext uri="{FF2B5EF4-FFF2-40B4-BE49-F238E27FC236}">
+                <a16:creationId xmlns:a16="http://schemas.microsoft.com/office/drawing/2014/main" id="{563ADD1F-AC40-4904-8B79-8FBF1F0FFB60}"/>
+              </a:ext>
+            </a:extLst>
+          </p:cNvPr>
+          <p:cNvSpPr txBox="1">
+            <a:spLocks noChangeArrowheads="1"/>
+          </p:cNvSpPr>
+          <p:nvPr/>
+        </p:nvSpPr>
+        <p:spPr>
+          <a:xfrm>
+            <a:off x="5666849" y="1892154"/>
+            <a:ext cx="813043" cy="1446550"/>
+          </a:xfrm>
+          <a:prstGeom prst="rect">
+            <a:avLst/>
+          </a:prstGeom>
+          <a:noFill/>
+        </p:spPr>
+        <p:txBody>
+          <a:bodyPr wrap="none" rtlCol="0">
+            <a:spAutoFit/>
+          </a:bodyPr>
+          <a:lstStyle>
+            <a:defPPr>
+              <a:defRPr lang="zh-CN"/>
+            </a:defPPr>
+            <a:lvl1pPr>
+              <a:defRPr sz="5400">
+                <a:gradFill>
+                  <a:gsLst>
+                    <a:gs pos="100000">
+                      <a:schemeClr val="bg1">
+                        <a:alpha val="0"/>
+                      </a:schemeClr>
+                    </a:gs>
+                    <a:gs pos="63000">
+                      <a:schemeClr val="bg1"/>
+                    </a:gs>
+                  </a:gsLst>
+                  <a:lin ang="5400000" scaled="1"/>
+                </a:gradFill>
+              </a:defRPr>
+            </a:lvl1pPr>
+          </a:lstStyle>
+          <a:p>
+            <a:r>
+              <a:rPr lang="en-US" altLang="zh-CN" sz="8800" dirty="0">
+                <a:cs typeface="+mn-ea"/>
+                <a:sym typeface="+mn-lt"/>
+              </a:rPr>
+              <a:t>2</a:t>
+            </a:r>
+            <a:endParaRPr lang="zh-CN" altLang="en-US" sz="8800" dirty="0">
+              <a:cs typeface="+mn-ea"/>
+              <a:sym typeface="+mn-lt"/>
+            </a:endParaRPr>
+          </a:p>
+        </p:txBody>
+      </p:sp>
+    </p:spTree>
+    <p:extLst>
+      <p:ext uri="{BB962C8B-B14F-4D97-AF65-F5344CB8AC3E}">
+        <p14:creationId xmlns:p14="http://schemas.microsoft.com/office/powerpoint/2010/main" val="673516865"/>
       </p:ext>
     </p:extLst>
   </p:cSld>
@@ -15602,7 +15451,7 @@
         </p:nvSpPr>
         <p:spPr>
           <a:xfrm>
-            <a:off x="5126639" y="4063418"/>
+            <a:off x="5126640" y="4063418"/>
             <a:ext cx="2031325" cy="646331"/>
           </a:xfrm>
           <a:prstGeom prst="rect">
@@ -15628,7 +15477,7 @@
                 <a:cs typeface="+mn-ea"/>
                 <a:sym typeface="+mn-lt"/>
               </a:rPr>
-              <a:t>实现技术</a:t>
+              <a:t>系统实现</a:t>
             </a:r>
           </a:p>
         </p:txBody>
